--- a/Presentation.pptx
+++ b/Presentation.pptx
@@ -118,6 +118,11 @@
       </a:defRPr>
     </a:lvl9pPr>
   </p:defaultTextStyle>
+  <p:extLst>
+    <p:ext uri="{EFAFB233-063F-42B5-8137-9DF3F51BA10A}">
+      <p15:sldGuideLst xmlns:p15="http://schemas.microsoft.com/office/powerpoint/2012/main"/>
+    </p:ext>
+  </p:extLst>
 </p:presentation>
 </file>
 
@@ -452,7 +457,7 @@
           <a:p>
             <a:fld id="{C4E6D575-82B3-49C7-BDF3-2CFDE9693CD1}" type="datetimeFigureOut">
               <a:rPr lang="en-SG" smtClean="0"/>
-              <a:t>28/1/2020</a:t>
+              <a:t>30/1/2020</a:t>
             </a:fld>
             <a:endParaRPr lang="en-SG"/>
           </a:p>
@@ -776,7 +781,7 @@
           <a:p>
             <a:fld id="{C4E6D575-82B3-49C7-BDF3-2CFDE9693CD1}" type="datetimeFigureOut">
               <a:rPr lang="en-SG" smtClean="0"/>
-              <a:t>28/1/2020</a:t>
+              <a:t>30/1/2020</a:t>
             </a:fld>
             <a:endParaRPr lang="en-SG"/>
           </a:p>
@@ -1024,7 +1029,7 @@
           <a:p>
             <a:fld id="{C4E6D575-82B3-49C7-BDF3-2CFDE9693CD1}" type="datetimeFigureOut">
               <a:rPr lang="en-SG" smtClean="0"/>
-              <a:t>28/1/2020</a:t>
+              <a:t>30/1/2020</a:t>
             </a:fld>
             <a:endParaRPr lang="en-SG"/>
           </a:p>
@@ -1363,7 +1368,7 @@
           <a:p>
             <a:fld id="{C4E6D575-82B3-49C7-BDF3-2CFDE9693CD1}" type="datetimeFigureOut">
               <a:rPr lang="en-SG" smtClean="0"/>
-              <a:t>28/1/2020</a:t>
+              <a:t>30/1/2020</a:t>
             </a:fld>
             <a:endParaRPr lang="en-SG"/>
           </a:p>
@@ -1710,7 +1715,7 @@
           <a:p>
             <a:fld id="{C4E6D575-82B3-49C7-BDF3-2CFDE9693CD1}" type="datetimeFigureOut">
               <a:rPr lang="en-SG" smtClean="0"/>
-              <a:t>28/1/2020</a:t>
+              <a:t>30/1/2020</a:t>
             </a:fld>
             <a:endParaRPr lang="en-SG"/>
           </a:p>
@@ -2084,7 +2089,7 @@
           <a:p>
             <a:fld id="{C4E6D575-82B3-49C7-BDF3-2CFDE9693CD1}" type="datetimeFigureOut">
               <a:rPr lang="en-SG" smtClean="0"/>
-              <a:t>28/1/2020</a:t>
+              <a:t>30/1/2020</a:t>
             </a:fld>
             <a:endParaRPr lang="en-SG"/>
           </a:p>
@@ -2554,7 +2559,7 @@
           <a:p>
             <a:fld id="{C4E6D575-82B3-49C7-BDF3-2CFDE9693CD1}" type="datetimeFigureOut">
               <a:rPr lang="en-SG" smtClean="0"/>
-              <a:t>28/1/2020</a:t>
+              <a:t>30/1/2020</a:t>
             </a:fld>
             <a:endParaRPr lang="en-SG"/>
           </a:p>
@@ -2759,7 +2764,7 @@
           <a:p>
             <a:fld id="{C4E6D575-82B3-49C7-BDF3-2CFDE9693CD1}" type="datetimeFigureOut">
               <a:rPr lang="en-SG" smtClean="0"/>
-              <a:t>28/1/2020</a:t>
+              <a:t>30/1/2020</a:t>
             </a:fld>
             <a:endParaRPr lang="en-SG"/>
           </a:p>
@@ -2970,7 +2975,7 @@
           <a:p>
             <a:fld id="{C4E6D575-82B3-49C7-BDF3-2CFDE9693CD1}" type="datetimeFigureOut">
               <a:rPr lang="en-SG" smtClean="0"/>
-              <a:t>28/1/2020</a:t>
+              <a:t>30/1/2020</a:t>
             </a:fld>
             <a:endParaRPr lang="en-SG"/>
           </a:p>
@@ -3202,7 +3207,7 @@
           <a:p>
             <a:fld id="{C4E6D575-82B3-49C7-BDF3-2CFDE9693CD1}" type="datetimeFigureOut">
               <a:rPr lang="en-SG" smtClean="0"/>
-              <a:t>28/1/2020</a:t>
+              <a:t>30/1/2020</a:t>
             </a:fld>
             <a:endParaRPr lang="en-SG"/>
           </a:p>
@@ -3450,7 +3455,7 @@
           <a:p>
             <a:fld id="{C4E6D575-82B3-49C7-BDF3-2CFDE9693CD1}" type="datetimeFigureOut">
               <a:rPr lang="en-SG" smtClean="0"/>
-              <a:t>28/1/2020</a:t>
+              <a:t>30/1/2020</a:t>
             </a:fld>
             <a:endParaRPr lang="en-SG"/>
           </a:p>
@@ -3748,7 +3753,7 @@
           <a:p>
             <a:fld id="{C4E6D575-82B3-49C7-BDF3-2CFDE9693CD1}" type="datetimeFigureOut">
               <a:rPr lang="en-SG" smtClean="0"/>
-              <a:t>28/1/2020</a:t>
+              <a:t>30/1/2020</a:t>
             </a:fld>
             <a:endParaRPr lang="en-SG"/>
           </a:p>
@@ -4142,7 +4147,7 @@
           <a:p>
             <a:fld id="{C4E6D575-82B3-49C7-BDF3-2CFDE9693CD1}" type="datetimeFigureOut">
               <a:rPr lang="en-SG" smtClean="0"/>
-              <a:t>28/1/2020</a:t>
+              <a:t>30/1/2020</a:t>
             </a:fld>
             <a:endParaRPr lang="en-SG"/>
           </a:p>
@@ -4291,7 +4296,7 @@
           <a:p>
             <a:fld id="{C4E6D575-82B3-49C7-BDF3-2CFDE9693CD1}" type="datetimeFigureOut">
               <a:rPr lang="en-SG" smtClean="0"/>
-              <a:t>28/1/2020</a:t>
+              <a:t>30/1/2020</a:t>
             </a:fld>
             <a:endParaRPr lang="en-SG"/>
           </a:p>
@@ -4417,7 +4422,7 @@
           <a:p>
             <a:fld id="{C4E6D575-82B3-49C7-BDF3-2CFDE9693CD1}" type="datetimeFigureOut">
               <a:rPr lang="en-SG" smtClean="0"/>
-              <a:t>28/1/2020</a:t>
+              <a:t>30/1/2020</a:t>
             </a:fld>
             <a:endParaRPr lang="en-SG"/>
           </a:p>
@@ -4672,7 +4677,7 @@
           <a:p>
             <a:fld id="{C4E6D575-82B3-49C7-BDF3-2CFDE9693CD1}" type="datetimeFigureOut">
               <a:rPr lang="en-SG" smtClean="0"/>
-              <a:t>28/1/2020</a:t>
+              <a:t>30/1/2020</a:t>
             </a:fld>
             <a:endParaRPr lang="en-SG"/>
           </a:p>
@@ -4987,7 +4992,7 @@
           <a:p>
             <a:fld id="{C4E6D575-82B3-49C7-BDF3-2CFDE9693CD1}" type="datetimeFigureOut">
               <a:rPr lang="en-SG" smtClean="0"/>
-              <a:t>28/1/2020</a:t>
+              <a:t>30/1/2020</a:t>
             </a:fld>
             <a:endParaRPr lang="en-SG"/>
           </a:p>
@@ -5338,7 +5343,7 @@
           <a:p>
             <a:fld id="{C4E6D575-82B3-49C7-BDF3-2CFDE9693CD1}" type="datetimeFigureOut">
               <a:rPr lang="en-SG" smtClean="0"/>
-              <a:t>28/1/2020</a:t>
+              <a:t>30/1/2020</a:t>
             </a:fld>
             <a:endParaRPr lang="en-SG"/>
           </a:p>
@@ -7790,7 +7795,7 @@
                 <a:latin typeface="Cambria" panose="02040503050406030204" pitchFamily="18" charset="0"/>
                 <a:ea typeface="Cambria" panose="02040503050406030204" pitchFamily="18" charset="0"/>
               </a:rPr>
-              <a:t>Age range mostly from 20-35 years old – model performs poorly on very young (e.g. babies) or very old people</a:t>
+              <a:t>Age range mostly between 20-35 years old – model performs poorly on very young (e.g. babies) or very old people</a:t>
             </a:r>
           </a:p>
           <a:p>
